--- a/selenium.pptx
+++ b/selenium.pptx
@@ -160,7 +160,7 @@
   </p:defaultTextStyle>
   <p:extLst>
     <p:ext uri="{EFAFB233-063F-42B5-8137-9DF3F51BA10A}">
-      <p15:sldGuideLst xmlns:p15="http://schemas.microsoft.com/office/powerpoint/2012/main">
+      <p15:sldGuideLst xmlns:p15="http://schemas.microsoft.com/office/powerpoint/2012/main" xmlns="">
         <p15:guide id="1" orient="horz" pos="2160">
           <p15:clr>
             <a:srgbClr val="A4A3A4"/>
@@ -174,7 +174,7 @@
       </p15:sldGuideLst>
     </p:ext>
     <p:ext uri="{2D200454-40CA-4A62-9FC3-DE9A4176ACB9}">
-      <p15:notesGuideLst xmlns:p15="http://schemas.microsoft.com/office/powerpoint/2012/main"/>
+      <p15:notesGuideLst xmlns:p15="http://schemas.microsoft.com/office/powerpoint/2012/main" xmlns=""/>
     </p:ext>
   </p:extLst>
 </p:presentation>
@@ -262,7 +262,7 @@
           <a:p>
             <a:fld id="{312E7B4A-039C-48A2-9B2C-AF16AA3873D8}" type="datetimeFigureOut">
               <a:rPr lang="en-US" smtClean="0"/>
-              <a:t>4/18/2016</a:t>
+              <a:t>12/27/2016</a:t>
             </a:fld>
             <a:endParaRPr lang="en-US"/>
           </a:p>
@@ -427,7 +427,7 @@
           <a:p>
             <a:fld id="{DA005A0C-54D9-45AA-87D4-C551D08DFCE1}" type="datetimeFigureOut">
               <a:rPr lang="en-US" smtClean="0"/>
-              <a:t>4/18/2016</a:t>
+              <a:t>12/27/2016</a:t>
             </a:fld>
             <a:endParaRPr lang="en-US"/>
           </a:p>
@@ -1078,7 +1078,7 @@
       </p:grpSpPr>
       <p:sp>
         <p:nvSpPr>
-          <p:cNvPr id="2" name="Slide Image Placeholder 1"/>
+          <p:cNvPr id="2" name="Образ слайда 1"/>
           <p:cNvSpPr>
             <a:spLocks noGrp="1" noRot="1" noChangeAspect="1"/>
           </p:cNvSpPr>
@@ -1090,7 +1090,7 @@
       </p:sp>
       <p:sp>
         <p:nvSpPr>
-          <p:cNvPr id="3" name="Notes Placeholder 2"/>
+          <p:cNvPr id="3" name="Заметки 2"/>
           <p:cNvSpPr>
             <a:spLocks noGrp="1"/>
           </p:cNvSpPr>
@@ -1103,13 +1103,13 @@
           <a:bodyPr/>
           <a:lstStyle/>
           <a:p>
-            <a:endParaRPr lang="en-US"/>
+            <a:endParaRPr lang="ru-RU" dirty="0"/>
           </a:p>
         </p:txBody>
       </p:sp>
       <p:sp>
         <p:nvSpPr>
-          <p:cNvPr id="4" name="Slide Number Placeholder 3"/>
+          <p:cNvPr id="4" name="Номер слайда 3"/>
           <p:cNvSpPr>
             <a:spLocks noGrp="1"/>
           </p:cNvSpPr>
@@ -1124,7 +1124,7 @@
           <a:p>
             <a:fld id="{4CFD207A-07DF-40AD-A916-9872E089CE7A}" type="slidenum">
               <a:rPr lang="en-US" smtClean="0"/>
-              <a:t>10</a:t>
+              <a:t>9</a:t>
             </a:fld>
             <a:endParaRPr lang="en-US"/>
           </a:p>
@@ -1133,7 +1133,7 @@
     </p:spTree>
     <p:extLst>
       <p:ext uri="{BB962C8B-B14F-4D97-AF65-F5344CB8AC3E}">
-        <p14:creationId xmlns:p14="http://schemas.microsoft.com/office/powerpoint/2010/main" val="309078786"/>
+        <p14:creationId xmlns:p14="http://schemas.microsoft.com/office/powerpoint/2010/main" val="3807563183"/>
       </p:ext>
     </p:extLst>
   </p:cSld>
@@ -1208,6 +1208,90 @@
           <a:p>
             <a:fld id="{4CFD207A-07DF-40AD-A916-9872E089CE7A}" type="slidenum">
               <a:rPr lang="en-US" smtClean="0"/>
+              <a:t>10</a:t>
+            </a:fld>
+            <a:endParaRPr lang="en-US"/>
+          </a:p>
+        </p:txBody>
+      </p:sp>
+    </p:spTree>
+    <p:extLst>
+      <p:ext uri="{BB962C8B-B14F-4D97-AF65-F5344CB8AC3E}">
+        <p14:creationId xmlns:p14="http://schemas.microsoft.com/office/powerpoint/2010/main" val="309078786"/>
+      </p:ext>
+    </p:extLst>
+  </p:cSld>
+  <p:clrMapOvr>
+    <a:masterClrMapping/>
+  </p:clrMapOvr>
+</p:notes>
+</file>
+
+<file path=ppt/notesSlides/notesSlide7.xml><?xml version="1.0" encoding="utf-8"?>
+<p:notes xmlns:a="http://schemas.openxmlformats.org/drawingml/2006/main" xmlns:r="http://schemas.openxmlformats.org/officeDocument/2006/relationships" xmlns:p="http://schemas.openxmlformats.org/presentationml/2006/main">
+  <p:cSld>
+    <p:spTree>
+      <p:nvGrpSpPr>
+        <p:cNvPr id="1" name=""/>
+        <p:cNvGrpSpPr/>
+        <p:nvPr/>
+      </p:nvGrpSpPr>
+      <p:grpSpPr>
+        <a:xfrm>
+          <a:off x="0" y="0"/>
+          <a:ext cx="0" cy="0"/>
+          <a:chOff x="0" y="0"/>
+          <a:chExt cx="0" cy="0"/>
+        </a:xfrm>
+      </p:grpSpPr>
+      <p:sp>
+        <p:nvSpPr>
+          <p:cNvPr id="2" name="Slide Image Placeholder 1"/>
+          <p:cNvSpPr>
+            <a:spLocks noGrp="1" noRot="1" noChangeAspect="1"/>
+          </p:cNvSpPr>
+          <p:nvPr>
+            <p:ph type="sldImg"/>
+          </p:nvPr>
+        </p:nvSpPr>
+        <p:spPr/>
+      </p:sp>
+      <p:sp>
+        <p:nvSpPr>
+          <p:cNvPr id="3" name="Notes Placeholder 2"/>
+          <p:cNvSpPr>
+            <a:spLocks noGrp="1"/>
+          </p:cNvSpPr>
+          <p:nvPr>
+            <p:ph type="body" idx="1"/>
+          </p:nvPr>
+        </p:nvSpPr>
+        <p:spPr/>
+        <p:txBody>
+          <a:bodyPr/>
+          <a:lstStyle/>
+          <a:p>
+            <a:endParaRPr lang="en-US"/>
+          </a:p>
+        </p:txBody>
+      </p:sp>
+      <p:sp>
+        <p:nvSpPr>
+          <p:cNvPr id="4" name="Slide Number Placeholder 3"/>
+          <p:cNvSpPr>
+            <a:spLocks noGrp="1"/>
+          </p:cNvSpPr>
+          <p:nvPr>
+            <p:ph type="sldNum" sz="quarter" idx="10"/>
+          </p:nvPr>
+        </p:nvSpPr>
+        <p:spPr/>
+        <p:txBody>
+          <a:bodyPr/>
+          <a:lstStyle/>
+          <a:p>
+            <a:fld id="{4CFD207A-07DF-40AD-A916-9872E089CE7A}" type="slidenum">
+              <a:rPr lang="en-US" smtClean="0"/>
               <a:t>14</a:t>
             </a:fld>
             <a:endParaRPr lang="en-US"/>
@@ -1227,7 +1311,7 @@
 </p:notes>
 </file>
 
-<file path=ppt/notesSlides/notesSlide7.xml><?xml version="1.0" encoding="utf-8"?>
+<file path=ppt/notesSlides/notesSlide8.xml><?xml version="1.0" encoding="utf-8"?>
 <p:notes xmlns:a="http://schemas.openxmlformats.org/drawingml/2006/main" xmlns:r="http://schemas.openxmlformats.org/officeDocument/2006/relationships" xmlns:p="http://schemas.openxmlformats.org/presentationml/2006/main">
   <p:cSld>
     <p:spTree>
@@ -1311,7 +1395,7 @@
 </p:notes>
 </file>
 
-<file path=ppt/notesSlides/notesSlide8.xml><?xml version="1.0" encoding="utf-8"?>
+<file path=ppt/notesSlides/notesSlide9.xml><?xml version="1.0" encoding="utf-8"?>
 <p:notes xmlns:a="http://schemas.openxmlformats.org/drawingml/2006/main" xmlns:r="http://schemas.openxmlformats.org/officeDocument/2006/relationships" xmlns:p="http://schemas.openxmlformats.org/presentationml/2006/main">
   <p:cSld>
     <p:spTree>
@@ -1754,7 +1838,7 @@
   </p:timing>
   <p:extLst mod="1">
     <p:ext uri="{DCECCB84-F9BA-43D5-87BE-67443E8EF086}">
-      <p15:sldGuideLst xmlns:p15="http://schemas.microsoft.com/office/powerpoint/2012/main">
+      <p15:sldGuideLst xmlns:p15="http://schemas.microsoft.com/office/powerpoint/2012/main" xmlns="">
         <p15:guide id="1" orient="horz" pos="3792">
           <p15:clr>
             <a:srgbClr val="FBAE40"/>
@@ -2343,7 +2427,7 @@
   </p:timing>
   <p:extLst mod="1">
     <p:ext uri="{DCECCB84-F9BA-43D5-87BE-67443E8EF086}">
-      <p15:sldGuideLst xmlns:p15="http://schemas.microsoft.com/office/powerpoint/2012/main">
+      <p15:sldGuideLst xmlns:p15="http://schemas.microsoft.com/office/powerpoint/2012/main" xmlns="">
         <p15:guide id="1" orient="horz" pos="2160">
           <p15:clr>
             <a:srgbClr val="FBAE40"/>
@@ -5164,7 +5248,7 @@
   </p:timing>
   <p:extLst mod="1">
     <p:ext uri="{DCECCB84-F9BA-43D5-87BE-67443E8EF086}">
-      <p15:sldGuideLst xmlns:p15="http://schemas.microsoft.com/office/powerpoint/2012/main">
+      <p15:sldGuideLst xmlns:p15="http://schemas.microsoft.com/office/powerpoint/2012/main" xmlns="">
         <p15:guide id="1" orient="horz" pos="3792">
           <p15:clr>
             <a:srgbClr val="FBAE40"/>
@@ -6303,11 +6387,6 @@
                 </a:rPr>
                 <a:t>IDE</a:t>
               </a:r>
-              <a:endParaRPr lang="en-US" dirty="0" smtClean="0">
-                <a:solidFill>
-                  <a:schemeClr val="bg1"/>
-                </a:solidFill>
-              </a:endParaRPr>
             </a:p>
           </p:txBody>
         </p:sp>
@@ -6789,6 +6868,25 @@
             <a:endParaRPr lang="en-US" dirty="0" smtClean="0"/>
           </a:p>
           <a:p>
+            <a:r>
+              <a:rPr lang="en-US" dirty="0">
+                <a:hlinkClick r:id="rId2"/>
+              </a:rPr>
+              <a:t>https://addons.mozilla.org/en-Us/firefox/addon/selenium-ide</a:t>
+            </a:r>
+            <a:r>
+              <a:rPr lang="en-US" dirty="0" smtClean="0">
+                <a:hlinkClick r:id="rId2"/>
+              </a:rPr>
+              <a:t>/</a:t>
+            </a:r>
+            <a:r>
+              <a:rPr lang="en-US" dirty="0" smtClean="0"/>
+              <a:t> </a:t>
+            </a:r>
+            <a:endParaRPr lang="en-US" dirty="0" smtClean="0"/>
+          </a:p>
+          <a:p>
             <a:endParaRPr lang="ru-RU" dirty="0"/>
           </a:p>
         </p:txBody>
@@ -6802,7 +6900,7 @@
           <p:nvPr/>
         </p:nvPicPr>
         <p:blipFill>
-          <a:blip r:embed="rId2">
+          <a:blip r:embed="rId3">
             <a:extLst>
               <a:ext uri="{28A0092B-C50C-407E-A947-70E740481C1C}">
                 <a14:useLocalDpi xmlns:a14="http://schemas.microsoft.com/office/drawing/2010/main" val="0"/>
@@ -6815,8 +6913,8 @@
         </p:blipFill>
         <p:spPr>
           <a:xfrm>
-            <a:off x="2108201" y="2107879"/>
-            <a:ext cx="7226300" cy="4456435"/>
+            <a:off x="2803660" y="2725093"/>
+            <a:ext cx="5953974" cy="3671796"/>
           </a:xfrm>
           <a:prstGeom prst="rect">
             <a:avLst/>
@@ -6833,6 +6931,13 @@
   <p:clrMapOvr>
     <a:masterClrMapping/>
   </p:clrMapOvr>
+  <p:timing>
+    <p:tnLst>
+      <p:par>
+        <p:cTn id="1" dur="indefinite" restart="never" nodeType="tmRoot"/>
+      </p:par>
+    </p:tnLst>
+  </p:timing>
 </p:sld>
 </file>
 
@@ -6955,6 +7060,13 @@
   <p:clrMapOvr>
     <a:masterClrMapping/>
   </p:clrMapOvr>
+  <p:timing>
+    <p:tnLst>
+      <p:par>
+        <p:cTn id="1" dur="indefinite" restart="never" nodeType="tmRoot"/>
+      </p:par>
+    </p:tnLst>
+  </p:timing>
 </p:sld>
 </file>
 
@@ -7085,6 +7197,13 @@
   <p:clrMapOvr>
     <a:masterClrMapping/>
   </p:clrMapOvr>
+  <p:timing>
+    <p:tnLst>
+      <p:par>
+        <p:cTn id="1" dur="indefinite" restart="never" nodeType="tmRoot"/>
+      </p:par>
+    </p:tnLst>
+  </p:timing>
 </p:sld>
 </file>
 
@@ -7416,11 +7535,6 @@
                 </a:rPr>
                 <a:t>IDE</a:t>
               </a:r>
-              <a:endParaRPr lang="en-US" dirty="0" smtClean="0">
-                <a:solidFill>
-                  <a:schemeClr val="bg1"/>
-                </a:solidFill>
-              </a:endParaRPr>
             </a:p>
           </p:txBody>
         </p:sp>
@@ -7610,11 +7724,6 @@
               </a:rPr>
               <a:t>Selenium</a:t>
             </a:r>
-            <a:endParaRPr lang="en-US" dirty="0">
-              <a:solidFill>
-                <a:schemeClr val="bg1"/>
-              </a:solidFill>
-            </a:endParaRPr>
           </a:p>
         </p:txBody>
       </p:sp>
@@ -7965,6 +8074,13 @@
   <p:clrMapOvr>
     <a:masterClrMapping/>
   </p:clrMapOvr>
+  <p:timing>
+    <p:tnLst>
+      <p:par>
+        <p:cTn id="1" dur="indefinite" restart="never" nodeType="tmRoot"/>
+      </p:par>
+    </p:tnLst>
+  </p:timing>
 </p:sld>
 </file>
 
@@ -8111,6 +8227,13 @@
   <p:clrMapOvr>
     <a:masterClrMapping/>
   </p:clrMapOvr>
+  <p:timing>
+    <p:tnLst>
+      <p:par>
+        <p:cTn id="1" dur="indefinite" restart="never" nodeType="tmRoot"/>
+      </p:par>
+    </p:tnLst>
+  </p:timing>
 </p:sld>
 </file>
 
@@ -8257,6 +8380,13 @@
   <p:clrMapOvr>
     <a:masterClrMapping/>
   </p:clrMapOvr>
+  <p:timing>
+    <p:tnLst>
+      <p:par>
+        <p:cTn id="1" dur="indefinite" restart="never" nodeType="tmRoot"/>
+      </p:par>
+    </p:tnLst>
+  </p:timing>
 </p:sld>
 </file>
 
@@ -8517,6 +8647,13 @@
   <p:clrMapOvr>
     <a:masterClrMapping/>
   </p:clrMapOvr>
+  <p:timing>
+    <p:tnLst>
+      <p:par>
+        <p:cTn id="1" dur="indefinite" restart="never" nodeType="tmRoot"/>
+      </p:par>
+    </p:tnLst>
+  </p:timing>
 </p:sld>
 </file>
 
@@ -8781,6 +8918,13 @@
   <p:clrMapOvr>
     <a:masterClrMapping/>
   </p:clrMapOvr>
+  <p:timing>
+    <p:tnLst>
+      <p:par>
+        <p:cTn id="1" dur="indefinite" restart="never" nodeType="tmRoot"/>
+      </p:par>
+    </p:tnLst>
+  </p:timing>
 </p:sld>
 </file>
 
@@ -9030,6 +9174,13 @@
   <p:clrMapOvr>
     <a:masterClrMapping/>
   </p:clrMapOvr>
+  <p:timing>
+    <p:tnLst>
+      <p:par>
+        <p:cTn id="1" dur="indefinite" restart="never" nodeType="tmRoot"/>
+      </p:par>
+    </p:tnLst>
+  </p:timing>
 </p:sld>
 </file>
 
@@ -9131,6 +9282,13 @@
   <p:clrMapOvr>
     <a:masterClrMapping/>
   </p:clrMapOvr>
+  <p:timing>
+    <p:tnLst>
+      <p:par>
+        <p:cTn id="1" dur="indefinite" restart="never" nodeType="tmRoot"/>
+      </p:par>
+    </p:tnLst>
+  </p:timing>
 </p:sld>
 </file>
 
@@ -9232,6 +9390,13 @@
   <p:clrMapOvr>
     <a:masterClrMapping/>
   </p:clrMapOvr>
+  <p:timing>
+    <p:tnLst>
+      <p:par>
+        <p:cTn id="1" dur="indefinite" restart="never" nodeType="tmRoot"/>
+      </p:par>
+    </p:tnLst>
+  </p:timing>
 </p:sld>
 </file>
 
@@ -9323,6 +9488,13 @@
   <p:clrMapOvr>
     <a:masterClrMapping/>
   </p:clrMapOvr>
+  <p:timing>
+    <p:tnLst>
+      <p:par>
+        <p:cTn id="1" dur="indefinite" restart="never" nodeType="tmRoot"/>
+      </p:par>
+    </p:tnLst>
+  </p:timing>
 </p:sld>
 </file>
 
@@ -9654,11 +9826,6 @@
                 </a:rPr>
                 <a:t>IDE</a:t>
               </a:r>
-              <a:endParaRPr lang="en-US" dirty="0" smtClean="0">
-                <a:solidFill>
-                  <a:schemeClr val="bg1"/>
-                </a:solidFill>
-              </a:endParaRPr>
             </a:p>
           </p:txBody>
         </p:sp>
@@ -10228,6 +10395,13 @@
   <p:clrMapOvr>
     <a:masterClrMapping/>
   </p:clrMapOvr>
+  <p:timing>
+    <p:tnLst>
+      <p:par>
+        <p:cTn id="1" dur="indefinite" restart="never" nodeType="tmRoot"/>
+      </p:par>
+    </p:tnLst>
+  </p:timing>
 </p:sld>
 </file>
 
@@ -10358,6 +10532,13 @@
   <p:clrMapOvr>
     <a:masterClrMapping/>
   </p:clrMapOvr>
+  <p:timing>
+    <p:tnLst>
+      <p:par>
+        <p:cTn id="1" dur="indefinite" restart="never" nodeType="tmRoot"/>
+      </p:par>
+    </p:tnLst>
+  </p:timing>
 </p:sld>
 </file>
 
@@ -10563,6 +10744,13 @@
   <p:clrMapOvr>
     <a:masterClrMapping/>
   </p:clrMapOvr>
+  <p:timing>
+    <p:tnLst>
+      <p:par>
+        <p:cTn id="1" dur="indefinite" restart="never" nodeType="tmRoot"/>
+      </p:par>
+    </p:tnLst>
+  </p:timing>
 </p:sld>
 </file>
 
@@ -10738,6 +10926,13 @@
   <p:clrMapOvr>
     <a:masterClrMapping/>
   </p:clrMapOvr>
+  <p:timing>
+    <p:tnLst>
+      <p:par>
+        <p:cTn id="1" dur="indefinite" restart="never" nodeType="tmRoot"/>
+      </p:par>
+    </p:tnLst>
+  </p:timing>
 </p:sld>
 </file>
 
@@ -10855,6 +11050,13 @@
   <p:clrMapOvr>
     <a:masterClrMapping/>
   </p:clrMapOvr>
+  <p:timing>
+    <p:tnLst>
+      <p:par>
+        <p:cTn id="1" dur="indefinite" restart="never" nodeType="tmRoot"/>
+      </p:par>
+    </p:tnLst>
+  </p:timing>
 </p:sld>
 </file>
 
@@ -11186,11 +11388,6 @@
                 </a:rPr>
                 <a:t>elenium</a:t>
               </a:r>
-              <a:endParaRPr lang="en-US" dirty="0" smtClean="0">
-                <a:solidFill>
-                  <a:schemeClr val="bg1"/>
-                </a:solidFill>
-              </a:endParaRPr>
             </a:p>
           </p:txBody>
         </p:sp>
@@ -13201,6 +13398,13 @@
   <p:clrMapOvr>
     <a:masterClrMapping/>
   </p:clrMapOvr>
+  <p:timing>
+    <p:tnLst>
+      <p:par>
+        <p:cTn id="1" dur="indefinite" restart="never" nodeType="tmRoot"/>
+      </p:par>
+    </p:tnLst>
+  </p:timing>
 </p:sld>
 </file>
 
@@ -16158,6 +16362,13 @@
   <p:clrMapOvr>
     <a:masterClrMapping/>
   </p:clrMapOvr>
+  <p:timing>
+    <p:tnLst>
+      <p:par>
+        <p:cTn id="1" dur="indefinite" restart="never" nodeType="tmRoot"/>
+      </p:par>
+    </p:tnLst>
+  </p:timing>
 </p:sld>
 </file>
 
@@ -16318,6 +16529,13 @@
   <p:clrMapOvr>
     <a:masterClrMapping/>
   </p:clrMapOvr>
+  <p:timing>
+    <p:tnLst>
+      <p:par>
+        <p:cTn id="1" dur="indefinite" restart="never" nodeType="tmRoot"/>
+      </p:par>
+    </p:tnLst>
+  </p:timing>
 </p:sld>
 </file>
 
@@ -16617,6 +16835,13 @@
   <p:clrMapOvr>
     <a:masterClrMapping/>
   </p:clrMapOvr>
+  <p:timing>
+    <p:tnLst>
+      <p:par>
+        <p:cTn id="1" dur="indefinite" restart="never" nodeType="tmRoot"/>
+      </p:par>
+    </p:tnLst>
+  </p:timing>
 </p:sld>
 </file>
 
@@ -17233,7 +17458,7 @@
     </a:clrScheme>
     <a:fontScheme name="Office">
       <a:majorFont>
-        <a:latin typeface="Calibri Light" panose="020F0302020204030204"/>
+        <a:latin typeface="Calibri Light"/>
         <a:ea typeface=""/>
         <a:cs typeface=""/>
         <a:font script="Jpan" typeface="ＭＳ Ｐゴシック"/>
@@ -17268,7 +17493,7 @@
         <a:font script="Geor" typeface="Sylfaen"/>
       </a:majorFont>
       <a:minorFont>
-        <a:latin typeface="Calibri" panose="020F0502020204030204"/>
+        <a:latin typeface="Calibri"/>
         <a:ea typeface=""/>
         <a:cs typeface=""/>
         <a:font script="Jpan" typeface="ＭＳ Ｐゴシック"/>
@@ -17445,7 +17670,7 @@
   <a:extraClrSchemeLst/>
   <a:extLst>
     <a:ext uri="{05A4C25C-085E-4340-85A3-A5531E510DB2}">
-      <thm15:themeFamily xmlns:thm15="http://schemas.microsoft.com/office/thememl/2012/main" name="Office Theme" id="{62F939B6-93AF-4DB8-9C6B-D6C7DFDC589F}" vid="{4A3C46E8-61CC-4603-A589-7422A47A8E4A}"/>
+      <thm15:themeFamily xmlns:thm15="http://schemas.microsoft.com/office/thememl/2012/main" xmlns="" name="Office Theme" id="{62F939B6-93AF-4DB8-9C6B-D6C7DFDC589F}" vid="{4A3C46E8-61CC-4603-A589-7422A47A8E4A}"/>
     </a:ext>
   </a:extLst>
 </a:theme>
@@ -17494,7 +17719,7 @@
     </a:clrScheme>
     <a:fontScheme name="Office">
       <a:majorFont>
-        <a:latin typeface="Calibri Light" panose="020F0302020204030204"/>
+        <a:latin typeface="Calibri Light"/>
         <a:ea typeface=""/>
         <a:cs typeface=""/>
         <a:font script="Jpan" typeface="ＭＳ Ｐゴシック"/>
@@ -17529,7 +17754,7 @@
         <a:font script="Geor" typeface="Sylfaen"/>
       </a:majorFont>
       <a:minorFont>
-        <a:latin typeface="Calibri" panose="020F0502020204030204"/>
+        <a:latin typeface="Calibri"/>
         <a:ea typeface=""/>
         <a:cs typeface=""/>
         <a:font script="Jpan" typeface="ＭＳ Ｐゴシック"/>
@@ -17706,13 +17931,23 @@
   <a:extraClrSchemeLst/>
   <a:extLst>
     <a:ext uri="{05A4C25C-085E-4340-85A3-A5531E510DB2}">
-      <thm15:themeFamily xmlns:thm15="http://schemas.microsoft.com/office/thememl/2012/main" name="Office Theme" id="{62F939B6-93AF-4DB8-9C6B-D6C7DFDC589F}" vid="{4A3C46E8-61CC-4603-A589-7422A47A8E4A}"/>
+      <thm15:themeFamily xmlns:thm15="http://schemas.microsoft.com/office/thememl/2012/main" xmlns="" name="Office Theme" id="{62F939B6-93AF-4DB8-9C6B-D6C7DFDC589F}" vid="{4A3C46E8-61CC-4603-A589-7422A47A8E4A}"/>
     </a:ext>
   </a:extLst>
 </a:theme>
 </file>
 
 <file path=customXml/item1.xml><?xml version="1.0" encoding="utf-8"?>
+<p:properties xmlns:p="http://schemas.microsoft.com/office/2006/metadata/properties" xmlns:xsi="http://www.w3.org/2001/XMLSchema-instance" xmlns:pc="http://schemas.microsoft.com/office/infopath/2007/PartnerControls">
+  <documentManagement>
+    <Status xmlns="DA58AECA-46F3-4083-B40F-E6EFD575E31E">Final</Status>
+    <Module xmlns="DA58AECA-46F3-4083-B40F-E6EFD575E31E">4</Module>
+    <Content_x0020_Type xmlns="DA58AECA-46F3-4083-B40F-E6EFD575E31E">Slide Presentation</Content_x0020_Type>
+  </documentManagement>
+</p:properties>
+</file>
+
+<file path=customXml/item2.xml><?xml version="1.0" encoding="utf-8"?>
 <ct:contentTypeSchema xmlns:ct="http://schemas.microsoft.com/office/2006/metadata/contentType" xmlns:ma="http://schemas.microsoft.com/office/2006/metadata/properties/metaAttributes" ct:_="" ma:_="" ma:contentTypeName="Document" ma:contentTypeID="0x010100848ECBA18F3C33409346A19633182C5D" ma:contentTypeVersion="" ma:contentTypeDescription="Create a new document." ma:contentTypeScope="" ma:versionID="f42775250a30ad96fffd2cc4f3934504">
   <xsd:schema xmlns:xsd="http://www.w3.org/2001/XMLSchema" xmlns:xs="http://www.w3.org/2001/XMLSchema" xmlns:p="http://schemas.microsoft.com/office/2006/metadata/properties" xmlns:ns2="DA58AECA-46F3-4083-B40F-E6EFD575E31E" targetNamespace="http://schemas.microsoft.com/office/2006/metadata/properties" ma:root="true" ma:fieldsID="96539666dc85730643db0938a100560c" ns2:_="">
     <xsd:import namespace="DA58AECA-46F3-4083-B40F-E6EFD575E31E"/>
@@ -17866,16 +18101,6 @@
 </ct:contentTypeSchema>
 </file>
 
-<file path=customXml/item2.xml><?xml version="1.0" encoding="utf-8"?>
-<p:properties xmlns:p="http://schemas.microsoft.com/office/2006/metadata/properties" xmlns:xsi="http://www.w3.org/2001/XMLSchema-instance" xmlns:pc="http://schemas.microsoft.com/office/infopath/2007/PartnerControls">
-  <documentManagement>
-    <Status xmlns="DA58AECA-46F3-4083-B40F-E6EFD575E31E">Final</Status>
-    <Module xmlns="DA58AECA-46F3-4083-B40F-E6EFD575E31E">4</Module>
-    <Content_x0020_Type xmlns="DA58AECA-46F3-4083-B40F-E6EFD575E31E">Slide Presentation</Content_x0020_Type>
-  </documentManagement>
-</p:properties>
-</file>
-
 <file path=customXml/item3.xml><?xml version="1.0" encoding="utf-8"?>
 <?mso-contentType ?>
 <FormTemplates xmlns="http://schemas.microsoft.com/sharepoint/v3/contenttype/forms">
@@ -17886,6 +18111,22 @@
 </file>
 
 <file path=customXml/itemProps1.xml><?xml version="1.0" encoding="utf-8"?>
+<ds:datastoreItem xmlns:ds="http://schemas.openxmlformats.org/officeDocument/2006/customXml" ds:itemID="{7025FDD9-4C58-4084-9F89-0E6ADD6FFF55}">
+  <ds:schemaRefs>
+    <ds:schemaRef ds:uri="http://purl.org/dc/elements/1.1/"/>
+    <ds:schemaRef ds:uri="http://schemas.microsoft.com/office/2006/metadata/properties"/>
+    <ds:schemaRef ds:uri="http://purl.org/dc/terms/"/>
+    <ds:schemaRef ds:uri="http://schemas.openxmlformats.org/package/2006/metadata/core-properties"/>
+    <ds:schemaRef ds:uri="http://schemas.microsoft.com/office/2006/documentManagement/types"/>
+    <ds:schemaRef ds:uri="http://schemas.microsoft.com/office/infopath/2007/PartnerControls"/>
+    <ds:schemaRef ds:uri="DA58AECA-46F3-4083-B40F-E6EFD575E31E"/>
+    <ds:schemaRef ds:uri="http://www.w3.org/XML/1998/namespace"/>
+    <ds:schemaRef ds:uri="http://purl.org/dc/dcmitype/"/>
+  </ds:schemaRefs>
+</ds:datastoreItem>
+</file>
+
+<file path=customXml/itemProps2.xml><?xml version="1.0" encoding="utf-8"?>
 <ds:datastoreItem xmlns:ds="http://schemas.openxmlformats.org/officeDocument/2006/customXml" ds:itemID="{0533F23D-8386-4B4F-9690-723C68EE80C2}">
   <ds:schemaRefs>
     <ds:schemaRef ds:uri="http://schemas.microsoft.com/office/2006/metadata/contentType"/>
@@ -17903,22 +18144,6 @@
 </ds:datastoreItem>
 </file>
 
-<file path=customXml/itemProps2.xml><?xml version="1.0" encoding="utf-8"?>
-<ds:datastoreItem xmlns:ds="http://schemas.openxmlformats.org/officeDocument/2006/customXml" ds:itemID="{7025FDD9-4C58-4084-9F89-0E6ADD6FFF55}">
-  <ds:schemaRefs>
-    <ds:schemaRef ds:uri="http://purl.org/dc/elements/1.1/"/>
-    <ds:schemaRef ds:uri="http://schemas.microsoft.com/office/2006/metadata/properties"/>
-    <ds:schemaRef ds:uri="http://purl.org/dc/terms/"/>
-    <ds:schemaRef ds:uri="http://schemas.openxmlformats.org/package/2006/metadata/core-properties"/>
-    <ds:schemaRef ds:uri="http://schemas.microsoft.com/office/2006/documentManagement/types"/>
-    <ds:schemaRef ds:uri="http://schemas.microsoft.com/office/infopath/2007/PartnerControls"/>
-    <ds:schemaRef ds:uri="DA58AECA-46F3-4083-B40F-E6EFD575E31E"/>
-    <ds:schemaRef ds:uri="http://www.w3.org/XML/1998/namespace"/>
-    <ds:schemaRef ds:uri="http://purl.org/dc/dcmitype/"/>
-  </ds:schemaRefs>
-</ds:datastoreItem>
-</file>
-
 <file path=customXml/itemProps3.xml><?xml version="1.0" encoding="utf-8"?>
 <ds:datastoreItem xmlns:ds="http://schemas.openxmlformats.org/officeDocument/2006/customXml" ds:itemID="{B0CA13EC-1D3C-4D6F-8D1C-E8A452CFC79A}">
   <ds:schemaRefs>
